--- a/Lecture 03/Lecture_03_Ujjal.pptx
+++ b/Lecture 03/Lecture_03_Ujjal.pptx
@@ -7580,8 +7580,8 @@
           </a:p>
         </p:txBody>
       </p:sp>
-      <mc:AlternateContent xmlns:mc="http://schemas.openxmlformats.org/markup-compatibility/2006">
-        <mc:Choice xmlns:a14="http://schemas.microsoft.com/office/drawing/2010/main" Requires="a14">
+      <mc:AlternateContent xmlns:mc="http://schemas.openxmlformats.org/markup-compatibility/2006" xmlns:a14="http://schemas.microsoft.com/office/drawing/2010/main">
+        <mc:Choice Requires="a14">
           <p:sp>
             <p:nvSpPr>
               <p:cNvPr id="3" name="Content Placeholder 2"/>
@@ -7724,7 +7724,7 @@
             </p:txBody>
           </p:sp>
         </mc:Choice>
-        <mc:Fallback>
+        <mc:Fallback xmlns="">
           <p:sp>
             <p:nvSpPr>
               <p:cNvPr id="3" name="Content Placeholder 2"/>
@@ -9014,14 +9014,14 @@
           <a:effectLst/>
           <a:extLst>
             <a:ext uri="{909E8E84-426E-40dd-AFC4-6F175D3DCCD1}">
-              <a14:hiddenFill xmlns:a14="http://schemas.microsoft.com/office/drawing/2010/main" xmlns="">
+              <a14:hiddenFill xmlns="" xmlns:a14="http://schemas.microsoft.com/office/drawing/2010/main">
                 <a:solidFill>
                   <a:schemeClr val="accent1"/>
                 </a:solidFill>
               </a14:hiddenFill>
             </a:ext>
             <a:ext uri="{91240B29-F687-4f45-9708-019B960494DF}">
-              <a14:hiddenLine xmlns:a14="http://schemas.microsoft.com/office/drawing/2010/main" xmlns="" w="9525">
+              <a14:hiddenLine xmlns="" xmlns:a14="http://schemas.microsoft.com/office/drawing/2010/main" w="9525">
                 <a:solidFill>
                   <a:schemeClr val="tx1"/>
                 </a:solidFill>
@@ -9031,7 +9031,7 @@
               </a14:hiddenLine>
             </a:ext>
             <a:ext uri="{AF507438-7753-43e0-B8FC-AC1667EBCBE1}">
-              <a14:hiddenEffects xmlns:a14="http://schemas.microsoft.com/office/drawing/2010/main" xmlns="">
+              <a14:hiddenEffects xmlns="" xmlns:a14="http://schemas.microsoft.com/office/drawing/2010/main">
                 <a:effectLst>
                   <a:outerShdw dist="35921" dir="2700000" algn="ctr" rotWithShape="0">
                     <a:schemeClr val="bg2"/>
@@ -9076,7 +9076,7 @@
           <a:graphicData uri="http://schemas.openxmlformats.org/presentationml/2006/ole">
             <mc:AlternateContent xmlns:mc="http://schemas.openxmlformats.org/markup-compatibility/2006">
               <mc:Choice xmlns:v="urn:schemas-microsoft-com:vml" Requires="v">
-                <p:oleObj spid="_x0000_s2122" name="Visio" r:id="rId4" imgW="6454163" imgH="1380315" progId="Visio.Drawing.11">
+                <p:oleObj spid="_x0000_s2123" name="Visio" r:id="rId4" imgW="6454163" imgH="1380315" progId="Visio.Drawing.11">
                   <p:embed/>
                 </p:oleObj>
               </mc:Choice>
@@ -9115,7 +9115,7 @@
                       <a:noFill/>
                       <a:extLst>
                         <a:ext uri="{909E8E84-426E-40dd-AFC4-6F175D3DCCD1}">
-                          <a14:hiddenFill xmlns:a14="http://schemas.microsoft.com/office/drawing/2010/main" xmlns="">
+                          <a14:hiddenFill xmlns="" xmlns:a14="http://schemas.microsoft.com/office/drawing/2010/main">
                             <a:solidFill>
                               <a:srgbClr val="FFFFFF"/>
                             </a:solidFill>
@@ -9981,11 +9981,7 @@
             </a:br>
             <a:r>
               <a:rPr lang="en-US" sz="1800" dirty="0" smtClean="0"/>
-              <a:t>	</a:t>
-            </a:r>
-            <a:r>
-              <a:rPr lang="en-US" sz="1800" dirty="0" smtClean="0"/>
-              <a:t>The program uses a sentinel of 1 to terminate the program</a:t>
+              <a:t>	The program uses a sentinel of 1 to terminate the program</a:t>
             </a:r>
             <a:endParaRPr lang="en-US" sz="3200" b="1" dirty="0"/>
           </a:p>
@@ -11278,7 +11274,7 @@
           <p:nvPr>
             <p:extLst>
               <p:ext uri="{D42A27DB-BD31-4B8C-83A1-F6EECF244321}">
-                <p14:modId xmlns:p14="http://schemas.microsoft.com/office/powerpoint/2010/main" val="1992294671"/>
+                <p14:modId xmlns:p14="http://schemas.microsoft.com/office/powerpoint/2010/main" val="2895597407"/>
               </p:ext>
             </p:extLst>
           </p:nvPr>
@@ -11729,15 +11725,22 @@
                     <a:lstStyle/>
                     <a:p>
                       <a:r>
-                        <a:rPr lang="en-US" sz="1200" b="1" dirty="0">
+                        <a:rPr lang="en-US" sz="1200" b="1" dirty="0" smtClean="0">
                           <a:solidFill>
                             <a:schemeClr val="accent6">
                               <a:lumMod val="75000"/>
                             </a:schemeClr>
                           </a:solidFill>
                         </a:rPr>
-                        <a:t>RET</a:t>
+                        <a:t>RTI</a:t>
                       </a:r>
+                      <a:endParaRPr lang="en-US" sz="1200" b="1" dirty="0">
+                        <a:solidFill>
+                          <a:schemeClr val="accent6">
+                            <a:lumMod val="75000"/>
+                          </a:schemeClr>
+                        </a:solidFill>
+                      </a:endParaRPr>
                     </a:p>
                   </a:txBody>
                   <a:tcPr marL="45670" marR="45670" marT="22835" marB="22835">
@@ -12452,14 +12455,14 @@
           <a:effectLst/>
           <a:extLst>
             <a:ext uri="{909E8E84-426E-40dd-AFC4-6F175D3DCCD1}">
-              <a14:hiddenFill xmlns:a14="http://schemas.microsoft.com/office/drawing/2010/main" xmlns="">
+              <a14:hiddenFill xmlns="" xmlns:a14="http://schemas.microsoft.com/office/drawing/2010/main">
                 <a:solidFill>
                   <a:schemeClr val="accent1"/>
                 </a:solidFill>
               </a14:hiddenFill>
             </a:ext>
             <a:ext uri="{91240B29-F687-4f45-9708-019B960494DF}">
-              <a14:hiddenLine xmlns:a14="http://schemas.microsoft.com/office/drawing/2010/main" xmlns="" w="9525">
+              <a14:hiddenLine xmlns="" xmlns:a14="http://schemas.microsoft.com/office/drawing/2010/main" w="9525">
                 <a:solidFill>
                   <a:schemeClr val="tx1"/>
                 </a:solidFill>
@@ -12469,7 +12472,7 @@
               </a14:hiddenLine>
             </a:ext>
             <a:ext uri="{AF507438-7753-43e0-B8FC-AC1667EBCBE1}">
-              <a14:hiddenEffects xmlns:a14="http://schemas.microsoft.com/office/drawing/2010/main" xmlns="">
+              <a14:hiddenEffects xmlns="" xmlns:a14="http://schemas.microsoft.com/office/drawing/2010/main">
                 <a:effectLst>
                   <a:outerShdw dist="35921" dir="2700000" algn="ctr" rotWithShape="0">
                     <a:schemeClr val="bg2"/>
@@ -13469,7 +13472,7 @@
             </a:ln>
             <a:extLst>
               <a:ext uri="{909E8E84-426E-40dd-AFC4-6F175D3DCCD1}">
-                <a14:hiddenFill xmlns:a14="http://schemas.microsoft.com/office/drawing/2010/main" xmlns="">
+                <a14:hiddenFill xmlns="" xmlns:a14="http://schemas.microsoft.com/office/drawing/2010/main">
                   <a:noFill/>
                 </a14:hiddenFill>
               </a:ext>
@@ -13505,7 +13508,7 @@
             </a:ln>
             <a:extLst>
               <a:ext uri="{909E8E84-426E-40dd-AFC4-6F175D3DCCD1}">
-                <a14:hiddenFill xmlns:a14="http://schemas.microsoft.com/office/drawing/2010/main" xmlns="">
+                <a14:hiddenFill xmlns="" xmlns:a14="http://schemas.microsoft.com/office/drawing/2010/main">
                   <a:noFill/>
                 </a14:hiddenFill>
               </a:ext>
@@ -13742,7 +13745,7 @@
             </a:ln>
             <a:extLst>
               <a:ext uri="{909E8E84-426E-40dd-AFC4-6F175D3DCCD1}">
-                <a14:hiddenFill xmlns:a14="http://schemas.microsoft.com/office/drawing/2010/main" xmlns="">
+                <a14:hiddenFill xmlns="" xmlns:a14="http://schemas.microsoft.com/office/drawing/2010/main">
                   <a:noFill/>
                 </a14:hiddenFill>
               </a:ext>
@@ -13778,7 +13781,7 @@
             </a:ln>
             <a:extLst>
               <a:ext uri="{909E8E84-426E-40dd-AFC4-6F175D3DCCD1}">
-                <a14:hiddenFill xmlns:a14="http://schemas.microsoft.com/office/drawing/2010/main" xmlns="">
+                <a14:hiddenFill xmlns="" xmlns:a14="http://schemas.microsoft.com/office/drawing/2010/main">
                   <a:noFill/>
                 </a14:hiddenFill>
               </a:ext>
@@ -14022,7 +14025,7 @@
             </a:ln>
             <a:extLst>
               <a:ext uri="{909E8E84-426E-40dd-AFC4-6F175D3DCCD1}">
-                <a14:hiddenFill xmlns:a14="http://schemas.microsoft.com/office/drawing/2010/main" xmlns="">
+                <a14:hiddenFill xmlns="" xmlns:a14="http://schemas.microsoft.com/office/drawing/2010/main">
                   <a:noFill/>
                 </a14:hiddenFill>
               </a:ext>
@@ -14058,7 +14061,7 @@
             </a:ln>
             <a:extLst>
               <a:ext uri="{909E8E84-426E-40dd-AFC4-6F175D3DCCD1}">
-                <a14:hiddenFill xmlns:a14="http://schemas.microsoft.com/office/drawing/2010/main" xmlns="">
+                <a14:hiddenFill xmlns="" xmlns:a14="http://schemas.microsoft.com/office/drawing/2010/main">
                   <a:noFill/>
                 </a14:hiddenFill>
               </a:ext>
@@ -14094,7 +14097,7 @@
             </a:ln>
             <a:extLst>
               <a:ext uri="{909E8E84-426E-40dd-AFC4-6F175D3DCCD1}">
-                <a14:hiddenFill xmlns:a14="http://schemas.microsoft.com/office/drawing/2010/main" xmlns="">
+                <a14:hiddenFill xmlns="" xmlns:a14="http://schemas.microsoft.com/office/drawing/2010/main">
                   <a:noFill/>
                 </a14:hiddenFill>
               </a:ext>
@@ -14130,7 +14133,7 @@
             </a:ln>
             <a:extLst>
               <a:ext uri="{909E8E84-426E-40dd-AFC4-6F175D3DCCD1}">
-                <a14:hiddenFill xmlns:a14="http://schemas.microsoft.com/office/drawing/2010/main" xmlns="">
+                <a14:hiddenFill xmlns="" xmlns:a14="http://schemas.microsoft.com/office/drawing/2010/main">
                   <a:noFill/>
                 </a14:hiddenFill>
               </a:ext>
@@ -14166,7 +14169,7 @@
             </a:ln>
             <a:extLst>
               <a:ext uri="{909E8E84-426E-40dd-AFC4-6F175D3DCCD1}">
-                <a14:hiddenFill xmlns:a14="http://schemas.microsoft.com/office/drawing/2010/main" xmlns="">
+                <a14:hiddenFill xmlns="" xmlns:a14="http://schemas.microsoft.com/office/drawing/2010/main">
                   <a:noFill/>
                 </a14:hiddenFill>
               </a:ext>
@@ -14202,7 +14205,7 @@
             </a:ln>
             <a:extLst>
               <a:ext uri="{909E8E84-426E-40dd-AFC4-6F175D3DCCD1}">
-                <a14:hiddenFill xmlns:a14="http://schemas.microsoft.com/office/drawing/2010/main" xmlns="">
+                <a14:hiddenFill xmlns="" xmlns:a14="http://schemas.microsoft.com/office/drawing/2010/main">
                   <a:noFill/>
                 </a14:hiddenFill>
               </a:ext>
@@ -15687,7 +15690,7 @@
             </a:ln>
             <a:extLst>
               <a:ext uri="{909E8E84-426E-40dd-AFC4-6F175D3DCCD1}">
-                <a14:hiddenFill xmlns:a14="http://schemas.microsoft.com/office/drawing/2010/main" xmlns="">
+                <a14:hiddenFill xmlns="" xmlns:a14="http://schemas.microsoft.com/office/drawing/2010/main">
                   <a:noFill/>
                 </a14:hiddenFill>
               </a:ext>
@@ -15723,7 +15726,7 @@
             </a:ln>
             <a:extLst>
               <a:ext uri="{909E8E84-426E-40dd-AFC4-6F175D3DCCD1}">
-                <a14:hiddenFill xmlns:a14="http://schemas.microsoft.com/office/drawing/2010/main" xmlns="">
+                <a14:hiddenFill xmlns="" xmlns:a14="http://schemas.microsoft.com/office/drawing/2010/main">
                   <a:noFill/>
                 </a14:hiddenFill>
               </a:ext>
@@ -15960,7 +15963,7 @@
             </a:ln>
             <a:extLst>
               <a:ext uri="{909E8E84-426E-40dd-AFC4-6F175D3DCCD1}">
-                <a14:hiddenFill xmlns:a14="http://schemas.microsoft.com/office/drawing/2010/main" xmlns="">
+                <a14:hiddenFill xmlns="" xmlns:a14="http://schemas.microsoft.com/office/drawing/2010/main">
                   <a:noFill/>
                 </a14:hiddenFill>
               </a:ext>
@@ -15996,7 +15999,7 @@
             </a:ln>
             <a:extLst>
               <a:ext uri="{909E8E84-426E-40dd-AFC4-6F175D3DCCD1}">
-                <a14:hiddenFill xmlns:a14="http://schemas.microsoft.com/office/drawing/2010/main" xmlns="">
+                <a14:hiddenFill xmlns="" xmlns:a14="http://schemas.microsoft.com/office/drawing/2010/main">
                   <a:noFill/>
                 </a14:hiddenFill>
               </a:ext>
@@ -16240,7 +16243,7 @@
             </a:ln>
             <a:extLst>
               <a:ext uri="{909E8E84-426E-40dd-AFC4-6F175D3DCCD1}">
-                <a14:hiddenFill xmlns:a14="http://schemas.microsoft.com/office/drawing/2010/main" xmlns="">
+                <a14:hiddenFill xmlns="" xmlns:a14="http://schemas.microsoft.com/office/drawing/2010/main">
                   <a:noFill/>
                 </a14:hiddenFill>
               </a:ext>
@@ -16276,7 +16279,7 @@
             </a:ln>
             <a:extLst>
               <a:ext uri="{909E8E84-426E-40dd-AFC4-6F175D3DCCD1}">
-                <a14:hiddenFill xmlns:a14="http://schemas.microsoft.com/office/drawing/2010/main" xmlns="">
+                <a14:hiddenFill xmlns="" xmlns:a14="http://schemas.microsoft.com/office/drawing/2010/main">
                   <a:noFill/>
                 </a14:hiddenFill>
               </a:ext>
@@ -16312,7 +16315,7 @@
             </a:ln>
             <a:extLst>
               <a:ext uri="{909E8E84-426E-40dd-AFC4-6F175D3DCCD1}">
-                <a14:hiddenFill xmlns:a14="http://schemas.microsoft.com/office/drawing/2010/main" xmlns="">
+                <a14:hiddenFill xmlns="" xmlns:a14="http://schemas.microsoft.com/office/drawing/2010/main">
                   <a:noFill/>
                 </a14:hiddenFill>
               </a:ext>
@@ -16348,7 +16351,7 @@
             </a:ln>
             <a:extLst>
               <a:ext uri="{909E8E84-426E-40dd-AFC4-6F175D3DCCD1}">
-                <a14:hiddenFill xmlns:a14="http://schemas.microsoft.com/office/drawing/2010/main" xmlns="">
+                <a14:hiddenFill xmlns="" xmlns:a14="http://schemas.microsoft.com/office/drawing/2010/main">
                   <a:noFill/>
                 </a14:hiddenFill>
               </a:ext>
@@ -16384,7 +16387,7 @@
             </a:ln>
             <a:extLst>
               <a:ext uri="{909E8E84-426E-40dd-AFC4-6F175D3DCCD1}">
-                <a14:hiddenFill xmlns:a14="http://schemas.microsoft.com/office/drawing/2010/main" xmlns="">
+                <a14:hiddenFill xmlns="" xmlns:a14="http://schemas.microsoft.com/office/drawing/2010/main">
                   <a:noFill/>
                 </a14:hiddenFill>
               </a:ext>
@@ -16420,7 +16423,7 @@
             </a:ln>
             <a:extLst>
               <a:ext uri="{909E8E84-426E-40dd-AFC4-6F175D3DCCD1}">
-                <a14:hiddenFill xmlns:a14="http://schemas.microsoft.com/office/drawing/2010/main" xmlns="">
+                <a14:hiddenFill xmlns="" xmlns:a14="http://schemas.microsoft.com/office/drawing/2010/main">
                   <a:noFill/>
                 </a14:hiddenFill>
               </a:ext>
@@ -18503,7 +18506,7 @@
           <a:graphicData uri="http://schemas.openxmlformats.org/presentationml/2006/ole">
             <mc:AlternateContent xmlns:mc="http://schemas.openxmlformats.org/markup-compatibility/2006">
               <mc:Choice xmlns:v="urn:schemas-microsoft-com:vml" Requires="v">
-                <p:oleObj spid="_x0000_s3169" name="Visio" r:id="rId3" imgW="6539905" imgH="2866475" progId="Visio.Drawing.11">
+                <p:oleObj spid="_x0000_s3171" name="Visio" r:id="rId3" imgW="6539905" imgH="2866475" progId="Visio.Drawing.11">
                   <p:embed/>
                 </p:oleObj>
               </mc:Choice>
@@ -18620,7 +18623,7 @@
           <a:graphicData uri="http://schemas.openxmlformats.org/presentationml/2006/ole">
             <mc:AlternateContent xmlns:mc="http://schemas.openxmlformats.org/markup-compatibility/2006">
               <mc:Choice xmlns:v="urn:schemas-microsoft-com:vml" Requires="v">
-                <p:oleObj spid="_x0000_s3170" name="Visio" r:id="rId5" imgW="6454163" imgH="1380315" progId="Visio.Drawing.11">
+                <p:oleObj spid="_x0000_s3172" name="Visio" r:id="rId5" imgW="6454163" imgH="1380315" progId="Visio.Drawing.11">
                   <p:embed/>
                 </p:oleObj>
               </mc:Choice>
@@ -18659,7 +18662,7 @@
                       <a:noFill/>
                       <a:extLst>
                         <a:ext uri="{909E8E84-426E-40dd-AFC4-6F175D3DCCD1}">
-                          <a14:hiddenFill xmlns:a14="http://schemas.microsoft.com/office/drawing/2010/main" xmlns="">
+                          <a14:hiddenFill xmlns="" xmlns:a14="http://schemas.microsoft.com/office/drawing/2010/main">
                             <a:solidFill>
                               <a:srgbClr val="FFFFFF"/>
                             </a:solidFill>
@@ -20495,7 +20498,7 @@
             </a:ln>
             <a:extLst>
               <a:ext uri="{909E8E84-426E-40dd-AFC4-6F175D3DCCD1}">
-                <a14:hiddenFill xmlns:a14="http://schemas.microsoft.com/office/drawing/2010/main" xmlns="">
+                <a14:hiddenFill xmlns="" xmlns:a14="http://schemas.microsoft.com/office/drawing/2010/main">
                   <a:noFill/>
                 </a14:hiddenFill>
               </a:ext>
@@ -20531,7 +20534,7 @@
             </a:ln>
             <a:extLst>
               <a:ext uri="{909E8E84-426E-40dd-AFC4-6F175D3DCCD1}">
-                <a14:hiddenFill xmlns:a14="http://schemas.microsoft.com/office/drawing/2010/main" xmlns="">
+                <a14:hiddenFill xmlns="" xmlns:a14="http://schemas.microsoft.com/office/drawing/2010/main">
                   <a:noFill/>
                 </a14:hiddenFill>
               </a:ext>
@@ -20768,7 +20771,7 @@
             </a:ln>
             <a:extLst>
               <a:ext uri="{909E8E84-426E-40dd-AFC4-6F175D3DCCD1}">
-                <a14:hiddenFill xmlns:a14="http://schemas.microsoft.com/office/drawing/2010/main" xmlns="">
+                <a14:hiddenFill xmlns="" xmlns:a14="http://schemas.microsoft.com/office/drawing/2010/main">
                   <a:noFill/>
                 </a14:hiddenFill>
               </a:ext>
@@ -20804,7 +20807,7 @@
             </a:ln>
             <a:extLst>
               <a:ext uri="{909E8E84-426E-40dd-AFC4-6F175D3DCCD1}">
-                <a14:hiddenFill xmlns:a14="http://schemas.microsoft.com/office/drawing/2010/main" xmlns="">
+                <a14:hiddenFill xmlns="" xmlns:a14="http://schemas.microsoft.com/office/drawing/2010/main">
                   <a:noFill/>
                 </a14:hiddenFill>
               </a:ext>
@@ -21048,7 +21051,7 @@
             </a:ln>
             <a:extLst>
               <a:ext uri="{909E8E84-426E-40dd-AFC4-6F175D3DCCD1}">
-                <a14:hiddenFill xmlns:a14="http://schemas.microsoft.com/office/drawing/2010/main" xmlns="">
+                <a14:hiddenFill xmlns="" xmlns:a14="http://schemas.microsoft.com/office/drawing/2010/main">
                   <a:noFill/>
                 </a14:hiddenFill>
               </a:ext>
@@ -21084,7 +21087,7 @@
             </a:ln>
             <a:extLst>
               <a:ext uri="{909E8E84-426E-40dd-AFC4-6F175D3DCCD1}">
-                <a14:hiddenFill xmlns:a14="http://schemas.microsoft.com/office/drawing/2010/main" xmlns="">
+                <a14:hiddenFill xmlns="" xmlns:a14="http://schemas.microsoft.com/office/drawing/2010/main">
                   <a:noFill/>
                 </a14:hiddenFill>
               </a:ext>
@@ -21120,7 +21123,7 @@
             </a:ln>
             <a:extLst>
               <a:ext uri="{909E8E84-426E-40dd-AFC4-6F175D3DCCD1}">
-                <a14:hiddenFill xmlns:a14="http://schemas.microsoft.com/office/drawing/2010/main" xmlns="">
+                <a14:hiddenFill xmlns="" xmlns:a14="http://schemas.microsoft.com/office/drawing/2010/main">
                   <a:noFill/>
                 </a14:hiddenFill>
               </a:ext>
@@ -21156,7 +21159,7 @@
             </a:ln>
             <a:extLst>
               <a:ext uri="{909E8E84-426E-40dd-AFC4-6F175D3DCCD1}">
-                <a14:hiddenFill xmlns:a14="http://schemas.microsoft.com/office/drawing/2010/main" xmlns="">
+                <a14:hiddenFill xmlns="" xmlns:a14="http://schemas.microsoft.com/office/drawing/2010/main">
                   <a:noFill/>
                 </a14:hiddenFill>
               </a:ext>
@@ -21192,7 +21195,7 @@
             </a:ln>
             <a:extLst>
               <a:ext uri="{909E8E84-426E-40dd-AFC4-6F175D3DCCD1}">
-                <a14:hiddenFill xmlns:a14="http://schemas.microsoft.com/office/drawing/2010/main" xmlns="">
+                <a14:hiddenFill xmlns="" xmlns:a14="http://schemas.microsoft.com/office/drawing/2010/main">
                   <a:noFill/>
                 </a14:hiddenFill>
               </a:ext>
@@ -21228,7 +21231,7 @@
             </a:ln>
             <a:extLst>
               <a:ext uri="{909E8E84-426E-40dd-AFC4-6F175D3DCCD1}">
-                <a14:hiddenFill xmlns:a14="http://schemas.microsoft.com/office/drawing/2010/main" xmlns="">
+                <a14:hiddenFill xmlns="" xmlns:a14="http://schemas.microsoft.com/office/drawing/2010/main">
                   <a:noFill/>
                 </a14:hiddenFill>
               </a:ext>
@@ -22614,14 +22617,14 @@
           <a:effectLst/>
           <a:extLst>
             <a:ext uri="{909E8E84-426E-40dd-AFC4-6F175D3DCCD1}">
-              <a14:hiddenFill xmlns:a14="http://schemas.microsoft.com/office/drawing/2010/main" xmlns="">
+              <a14:hiddenFill xmlns="" xmlns:a14="http://schemas.microsoft.com/office/drawing/2010/main">
                 <a:solidFill>
                   <a:schemeClr val="accent1"/>
                 </a:solidFill>
               </a14:hiddenFill>
             </a:ext>
             <a:ext uri="{91240B29-F687-4f45-9708-019B960494DF}">
-              <a14:hiddenLine xmlns:a14="http://schemas.microsoft.com/office/drawing/2010/main" xmlns="" w="9525">
+              <a14:hiddenLine xmlns="" xmlns:a14="http://schemas.microsoft.com/office/drawing/2010/main" w="9525">
                 <a:solidFill>
                   <a:schemeClr val="tx1"/>
                 </a:solidFill>
@@ -22631,7 +22634,7 @@
               </a14:hiddenLine>
             </a:ext>
             <a:ext uri="{AF507438-7753-43e0-B8FC-AC1667EBCBE1}">
-              <a14:hiddenEffects xmlns:a14="http://schemas.microsoft.com/office/drawing/2010/main" xmlns="">
+              <a14:hiddenEffects xmlns="" xmlns:a14="http://schemas.microsoft.com/office/drawing/2010/main">
                 <a:effectLst>
                   <a:outerShdw dist="35921" dir="2700000" algn="ctr" rotWithShape="0">
                     <a:schemeClr val="bg2"/>
@@ -22676,7 +22679,7 @@
           <a:graphicData uri="http://schemas.openxmlformats.org/presentationml/2006/ole">
             <mc:AlternateContent xmlns:mc="http://schemas.openxmlformats.org/markup-compatibility/2006">
               <mc:Choice xmlns:v="urn:schemas-microsoft-com:vml" Requires="v">
-                <p:oleObj spid="_x0000_s1094" name="Visio" r:id="rId3" imgW="6397001" imgH="1380315" progId="Visio.Drawing.11">
+                <p:oleObj spid="_x0000_s1095" name="Visio" r:id="rId3" imgW="6397001" imgH="1380315" progId="Visio.Drawing.11">
                   <p:embed/>
                 </p:oleObj>
               </mc:Choice>
@@ -22715,7 +22718,7 @@
                       <a:noFill/>
                       <a:extLst>
                         <a:ext uri="{909E8E84-426E-40dd-AFC4-6F175D3DCCD1}">
-                          <a14:hiddenFill xmlns:a14="http://schemas.microsoft.com/office/drawing/2010/main" xmlns="">
+                          <a14:hiddenFill xmlns="" xmlns:a14="http://schemas.microsoft.com/office/drawing/2010/main">
                             <a:solidFill>
                               <a:srgbClr val="FFFFFF"/>
                             </a:solidFill>
@@ -25196,7 +25199,7 @@
           <a:graphicData uri="http://schemas.openxmlformats.org/presentationml/2006/ole">
             <mc:AlternateContent xmlns:mc="http://schemas.openxmlformats.org/markup-compatibility/2006">
               <mc:Choice xmlns:v="urn:schemas-microsoft-com:vml" Requires="v">
-                <p:oleObj spid="_x0000_s5131" r:id="rId4" imgW="6454163" imgH="1380315" progId="Visio.Drawing.11">
+                <p:oleObj spid="_x0000_s5132" r:id="rId4" imgW="6454163" imgH="1380315" progId="Visio.Drawing.11">
                   <p:embed/>
                 </p:oleObj>
               </mc:Choice>
